--- a/Experience_pro/Mémoire-XLM/mise_en_oeuvre_keops.pptx
+++ b/Experience_pro/Mémoire-XLM/mise_en_oeuvre_keops.pptx
@@ -6,6 +6,7 @@
   </p:sldMasterIdLst>
   <p:sldIdLst>
     <p:sldId id="256" r:id="rId2"/>
+    <p:sldId id="257" r:id="rId3"/>
   </p:sldIdLst>
   <p:sldSz cx="9144000" cy="6858000" type="screen4x3"/>
   <p:notesSz cx="6858000" cy="9144000"/>
@@ -289,7 +290,7 @@
             <a:fld id="{465710B2-BDCD-43D4-B890-244BC3046D9D}" type="datetimeFigureOut">
               <a:rPr lang="fr-FR" smtClean="0"/>
               <a:pPr/>
-              <a:t>04/10/2020</a:t>
+              <a:t>09/10/2020</a:t>
             </a:fld>
             <a:endParaRPr lang="fr-FR"/>
           </a:p>
@@ -456,7 +457,7 @@
             <a:fld id="{465710B2-BDCD-43D4-B890-244BC3046D9D}" type="datetimeFigureOut">
               <a:rPr lang="fr-FR" smtClean="0"/>
               <a:pPr/>
-              <a:t>04/10/2020</a:t>
+              <a:t>09/10/2020</a:t>
             </a:fld>
             <a:endParaRPr lang="fr-FR"/>
           </a:p>
@@ -633,7 +634,7 @@
             <a:fld id="{465710B2-BDCD-43D4-B890-244BC3046D9D}" type="datetimeFigureOut">
               <a:rPr lang="fr-FR" smtClean="0"/>
               <a:pPr/>
-              <a:t>04/10/2020</a:t>
+              <a:t>09/10/2020</a:t>
             </a:fld>
             <a:endParaRPr lang="fr-FR"/>
           </a:p>
@@ -800,7 +801,7 @@
             <a:fld id="{465710B2-BDCD-43D4-B890-244BC3046D9D}" type="datetimeFigureOut">
               <a:rPr lang="fr-FR" smtClean="0"/>
               <a:pPr/>
-              <a:t>04/10/2020</a:t>
+              <a:t>09/10/2020</a:t>
             </a:fld>
             <a:endParaRPr lang="fr-FR"/>
           </a:p>
@@ -1043,7 +1044,7 @@
             <a:fld id="{465710B2-BDCD-43D4-B890-244BC3046D9D}" type="datetimeFigureOut">
               <a:rPr lang="fr-FR" smtClean="0"/>
               <a:pPr/>
-              <a:t>04/10/2020</a:t>
+              <a:t>09/10/2020</a:t>
             </a:fld>
             <a:endParaRPr lang="fr-FR"/>
           </a:p>
@@ -1328,7 +1329,7 @@
             <a:fld id="{465710B2-BDCD-43D4-B890-244BC3046D9D}" type="datetimeFigureOut">
               <a:rPr lang="fr-FR" smtClean="0"/>
               <a:pPr/>
-              <a:t>04/10/2020</a:t>
+              <a:t>09/10/2020</a:t>
             </a:fld>
             <a:endParaRPr lang="fr-FR"/>
           </a:p>
@@ -1747,7 +1748,7 @@
             <a:fld id="{465710B2-BDCD-43D4-B890-244BC3046D9D}" type="datetimeFigureOut">
               <a:rPr lang="fr-FR" smtClean="0"/>
               <a:pPr/>
-              <a:t>04/10/2020</a:t>
+              <a:t>09/10/2020</a:t>
             </a:fld>
             <a:endParaRPr lang="fr-FR"/>
           </a:p>
@@ -1862,7 +1863,7 @@
             <a:fld id="{465710B2-BDCD-43D4-B890-244BC3046D9D}" type="datetimeFigureOut">
               <a:rPr lang="fr-FR" smtClean="0"/>
               <a:pPr/>
-              <a:t>04/10/2020</a:t>
+              <a:t>09/10/2020</a:t>
             </a:fld>
             <a:endParaRPr lang="fr-FR"/>
           </a:p>
@@ -1954,7 +1955,7 @@
             <a:fld id="{465710B2-BDCD-43D4-B890-244BC3046D9D}" type="datetimeFigureOut">
               <a:rPr lang="fr-FR" smtClean="0"/>
               <a:pPr/>
-              <a:t>04/10/2020</a:t>
+              <a:t>09/10/2020</a:t>
             </a:fld>
             <a:endParaRPr lang="fr-FR"/>
           </a:p>
@@ -2228,7 +2229,7 @@
             <a:fld id="{465710B2-BDCD-43D4-B890-244BC3046D9D}" type="datetimeFigureOut">
               <a:rPr lang="fr-FR" smtClean="0"/>
               <a:pPr/>
-              <a:t>04/10/2020</a:t>
+              <a:t>09/10/2020</a:t>
             </a:fld>
             <a:endParaRPr lang="fr-FR"/>
           </a:p>
@@ -2478,7 +2479,7 @@
             <a:fld id="{465710B2-BDCD-43D4-B890-244BC3046D9D}" type="datetimeFigureOut">
               <a:rPr lang="fr-FR" smtClean="0"/>
               <a:pPr/>
-              <a:t>04/10/2020</a:t>
+              <a:t>09/10/2020</a:t>
             </a:fld>
             <a:endParaRPr lang="fr-FR"/>
           </a:p>
@@ -2688,7 +2689,7 @@
             <a:fld id="{465710B2-BDCD-43D4-B890-244BC3046D9D}" type="datetimeFigureOut">
               <a:rPr lang="fr-FR" smtClean="0"/>
               <a:pPr/>
-              <a:t>04/10/2020</a:t>
+              <a:t>09/10/2020</a:t>
             </a:fld>
             <a:endParaRPr lang="fr-FR"/>
           </a:p>
@@ -4919,6 +4920,795 @@
   <p:clrMapOvr>
     <a:masterClrMapping/>
   </p:clrMapOvr>
+  <p:timing>
+    <p:tnLst>
+      <p:par>
+        <p:cTn id="1" dur="indefinite" restart="never" nodeType="tmRoot"/>
+      </p:par>
+    </p:tnLst>
+  </p:timing>
+</p:sld>
+</file>
+
+<file path=ppt/slides/slide2.xml><?xml version="1.0" encoding="utf-8"?>
+<p:sld xmlns:a="http://schemas.openxmlformats.org/drawingml/2006/main" xmlns:r="http://schemas.openxmlformats.org/officeDocument/2006/relationships" xmlns:p="http://schemas.openxmlformats.org/presentationml/2006/main">
+  <p:cSld>
+    <p:spTree>
+      <p:nvGrpSpPr>
+        <p:cNvPr id="1" name=""/>
+        <p:cNvGrpSpPr/>
+        <p:nvPr/>
+      </p:nvGrpSpPr>
+      <p:grpSpPr>
+        <a:xfrm>
+          <a:off x="0" y="0"/>
+          <a:ext cx="0" cy="0"/>
+          <a:chOff x="0" y="0"/>
+          <a:chExt cx="0" cy="0"/>
+        </a:xfrm>
+      </p:grpSpPr>
+      <p:sp>
+        <p:nvSpPr>
+          <p:cNvPr id="4" name="Rogner un rectangle à un seul coin 3"/>
+          <p:cNvSpPr/>
+          <p:nvPr/>
+        </p:nvSpPr>
+        <p:spPr>
+          <a:xfrm>
+            <a:off x="1357290" y="2071678"/>
+            <a:ext cx="571504" cy="642942"/>
+          </a:xfrm>
+          <a:prstGeom prst="snip1Rect">
+            <a:avLst>
+              <a:gd name="adj" fmla="val 20717"/>
+            </a:avLst>
+          </a:prstGeom>
+        </p:spPr>
+        <p:style>
+          <a:lnRef idx="2">
+            <a:schemeClr val="dk1"/>
+          </a:lnRef>
+          <a:fillRef idx="1">
+            <a:schemeClr val="lt1"/>
+          </a:fillRef>
+          <a:effectRef idx="0">
+            <a:schemeClr val="dk1"/>
+          </a:effectRef>
+          <a:fontRef idx="minor">
+            <a:schemeClr val="dk1"/>
+          </a:fontRef>
+        </p:style>
+        <p:txBody>
+          <a:bodyPr rtlCol="0" anchor="ctr"/>
+          <a:lstStyle/>
+          <a:p>
+            <a:pPr algn="ctr"/>
+            <a:r>
+              <a:rPr lang="fr-FR" sz="1400" dirty="0" smtClean="0"/>
+              <a:t>XML</a:t>
+            </a:r>
+            <a:endParaRPr lang="fr-FR" sz="1400" dirty="0"/>
+          </a:p>
+        </p:txBody>
+      </p:sp>
+      <p:grpSp>
+        <p:nvGrpSpPr>
+          <p:cNvPr id="3" name="Groupe 15"/>
+          <p:cNvGrpSpPr/>
+          <p:nvPr/>
+        </p:nvGrpSpPr>
+        <p:grpSpPr>
+          <a:xfrm>
+            <a:off x="285720" y="4071942"/>
+            <a:ext cx="857256" cy="919941"/>
+            <a:chOff x="2143108" y="4000504"/>
+            <a:chExt cx="857256" cy="919941"/>
+          </a:xfrm>
+        </p:grpSpPr>
+        <p:sp>
+          <p:nvSpPr>
+            <p:cNvPr id="10" name="Rogner un rectangle à un seul coin 9"/>
+            <p:cNvSpPr/>
+            <p:nvPr/>
+          </p:nvSpPr>
+          <p:spPr>
+            <a:xfrm>
+              <a:off x="2285984" y="4000504"/>
+              <a:ext cx="571504" cy="642942"/>
+            </a:xfrm>
+            <a:prstGeom prst="snip1Rect">
+              <a:avLst>
+                <a:gd name="adj" fmla="val 20717"/>
+              </a:avLst>
+            </a:prstGeom>
+          </p:spPr>
+          <p:style>
+            <a:lnRef idx="2">
+              <a:schemeClr val="dk1"/>
+            </a:lnRef>
+            <a:fillRef idx="1">
+              <a:schemeClr val="lt1"/>
+            </a:fillRef>
+            <a:effectRef idx="0">
+              <a:schemeClr val="dk1"/>
+            </a:effectRef>
+            <a:fontRef idx="minor">
+              <a:schemeClr val="dk1"/>
+            </a:fontRef>
+          </p:style>
+          <p:txBody>
+            <a:bodyPr rtlCol="0" anchor="ctr"/>
+            <a:lstStyle/>
+            <a:p>
+              <a:pPr algn="ctr"/>
+              <a:endParaRPr lang="fr-FR" sz="1400" dirty="0"/>
+            </a:p>
+          </p:txBody>
+        </p:sp>
+        <p:sp>
+          <p:nvSpPr>
+            <p:cNvPr id="13" name="ZoneTexte 12"/>
+            <p:cNvSpPr txBox="1"/>
+            <p:nvPr/>
+          </p:nvSpPr>
+          <p:spPr>
+            <a:xfrm>
+              <a:off x="2143108" y="4643446"/>
+              <a:ext cx="857256" cy="276999"/>
+            </a:xfrm>
+            <a:prstGeom prst="rect">
+              <a:avLst/>
+            </a:prstGeom>
+            <a:noFill/>
+          </p:spPr>
+          <p:txBody>
+            <a:bodyPr wrap="square" rtlCol="0">
+              <a:spAutoFit/>
+            </a:bodyPr>
+            <a:lstStyle/>
+            <a:p>
+              <a:r>
+                <a:rPr lang="fr-FR" sz="1200" dirty="0" smtClean="0"/>
+                <a:t>*.</a:t>
+              </a:r>
+              <a:r>
+                <a:rPr lang="fr-FR" sz="1200" dirty="0" err="1" smtClean="0"/>
+                <a:t>hbm.xml</a:t>
+              </a:r>
+              <a:endParaRPr lang="fr-FR" sz="1200" dirty="0" smtClean="0"/>
+            </a:p>
+          </p:txBody>
+        </p:sp>
+      </p:grpSp>
+      <p:grpSp>
+        <p:nvGrpSpPr>
+          <p:cNvPr id="7" name="Groupe 16"/>
+          <p:cNvGrpSpPr/>
+          <p:nvPr/>
+        </p:nvGrpSpPr>
+        <p:grpSpPr>
+          <a:xfrm>
+            <a:off x="6215074" y="2000240"/>
+            <a:ext cx="1229686" cy="927561"/>
+            <a:chOff x="3372794" y="785794"/>
+            <a:chExt cx="1229686" cy="927561"/>
+          </a:xfrm>
+        </p:grpSpPr>
+        <p:sp>
+          <p:nvSpPr>
+            <p:cNvPr id="11" name="Rogner un rectangle à un seul coin 10"/>
+            <p:cNvSpPr/>
+            <p:nvPr/>
+          </p:nvSpPr>
+          <p:spPr>
+            <a:xfrm>
+              <a:off x="3714744" y="785794"/>
+              <a:ext cx="571504" cy="642942"/>
+            </a:xfrm>
+            <a:prstGeom prst="snip1Rect">
+              <a:avLst>
+                <a:gd name="adj" fmla="val 20717"/>
+              </a:avLst>
+            </a:prstGeom>
+          </p:spPr>
+          <p:style>
+            <a:lnRef idx="2">
+              <a:schemeClr val="dk1"/>
+            </a:lnRef>
+            <a:fillRef idx="1">
+              <a:schemeClr val="lt1"/>
+            </a:fillRef>
+            <a:effectRef idx="0">
+              <a:schemeClr val="dk1"/>
+            </a:effectRef>
+            <a:fontRef idx="minor">
+              <a:schemeClr val="dk1"/>
+            </a:fontRef>
+          </p:style>
+          <p:txBody>
+            <a:bodyPr rtlCol="0" anchor="ctr"/>
+            <a:lstStyle/>
+            <a:p>
+              <a:pPr algn="ctr"/>
+              <a:endParaRPr lang="fr-FR" sz="1400" dirty="0"/>
+            </a:p>
+          </p:txBody>
+        </p:sp>
+        <p:sp>
+          <p:nvSpPr>
+            <p:cNvPr id="14" name="ZoneTexte 13"/>
+            <p:cNvSpPr txBox="1"/>
+            <p:nvPr/>
+          </p:nvSpPr>
+          <p:spPr>
+            <a:xfrm>
+              <a:off x="3372794" y="1436356"/>
+              <a:ext cx="1229686" cy="276999"/>
+            </a:xfrm>
+            <a:prstGeom prst="rect">
+              <a:avLst/>
+            </a:prstGeom>
+            <a:noFill/>
+          </p:spPr>
+          <p:txBody>
+            <a:bodyPr wrap="square" rtlCol="0">
+              <a:spAutoFit/>
+            </a:bodyPr>
+            <a:lstStyle/>
+            <a:p>
+              <a:r>
+                <a:rPr lang="fr-FR" sz="1200" dirty="0" err="1" smtClean="0"/>
+                <a:t>Keops.genmodel</a:t>
+              </a:r>
+              <a:endParaRPr lang="fr-FR" sz="1200" dirty="0" smtClean="0"/>
+            </a:p>
+          </p:txBody>
+        </p:sp>
+      </p:grpSp>
+      <p:sp>
+        <p:nvSpPr>
+          <p:cNvPr id="21" name="Cube 20"/>
+          <p:cNvSpPr/>
+          <p:nvPr/>
+        </p:nvSpPr>
+        <p:spPr>
+          <a:xfrm>
+            <a:off x="3071802" y="2071678"/>
+            <a:ext cx="1357322" cy="785818"/>
+          </a:xfrm>
+          <a:prstGeom prst="cube">
+            <a:avLst>
+              <a:gd name="adj" fmla="val 14690"/>
+            </a:avLst>
+          </a:prstGeom>
+        </p:spPr>
+        <p:style>
+          <a:lnRef idx="2">
+            <a:schemeClr val="accent6">
+              <a:shade val="50000"/>
+            </a:schemeClr>
+          </a:lnRef>
+          <a:fillRef idx="1">
+            <a:schemeClr val="accent6"/>
+          </a:fillRef>
+          <a:effectRef idx="0">
+            <a:schemeClr val="accent6"/>
+          </a:effectRef>
+          <a:fontRef idx="minor">
+            <a:schemeClr val="lt1"/>
+          </a:fontRef>
+        </p:style>
+        <p:txBody>
+          <a:bodyPr rtlCol="0" anchor="ctr"/>
+          <a:lstStyle/>
+          <a:p>
+            <a:pPr algn="ctr"/>
+            <a:r>
+              <a:rPr lang="fr-FR" sz="1400" dirty="0" smtClean="0"/>
+              <a:t>Générateur </a:t>
+            </a:r>
+            <a:r>
+              <a:rPr lang="fr-FR" sz="1400" dirty="0" err="1" smtClean="0"/>
+              <a:t>dialog</a:t>
+            </a:r>
+            <a:endParaRPr lang="fr-FR" sz="1400" dirty="0"/>
+          </a:p>
+        </p:txBody>
+      </p:sp>
+      <p:grpSp>
+        <p:nvGrpSpPr>
+          <p:cNvPr id="15" name="Groupe 25"/>
+          <p:cNvGrpSpPr/>
+          <p:nvPr/>
+        </p:nvGrpSpPr>
+        <p:grpSpPr>
+          <a:xfrm>
+            <a:off x="5147308" y="771842"/>
+            <a:ext cx="853452" cy="919941"/>
+            <a:chOff x="3643306" y="785794"/>
+            <a:chExt cx="853452" cy="919941"/>
+          </a:xfrm>
+        </p:grpSpPr>
+        <p:sp>
+          <p:nvSpPr>
+            <p:cNvPr id="27" name="Rogner un rectangle à un seul coin 26"/>
+            <p:cNvSpPr/>
+            <p:nvPr/>
+          </p:nvSpPr>
+          <p:spPr>
+            <a:xfrm>
+              <a:off x="3714744" y="785794"/>
+              <a:ext cx="571504" cy="642942"/>
+            </a:xfrm>
+            <a:prstGeom prst="snip1Rect">
+              <a:avLst>
+                <a:gd name="adj" fmla="val 20717"/>
+              </a:avLst>
+            </a:prstGeom>
+          </p:spPr>
+          <p:style>
+            <a:lnRef idx="2">
+              <a:schemeClr val="accent1"/>
+            </a:lnRef>
+            <a:fillRef idx="1">
+              <a:schemeClr val="lt1"/>
+            </a:fillRef>
+            <a:effectRef idx="0">
+              <a:schemeClr val="accent1"/>
+            </a:effectRef>
+            <a:fontRef idx="minor">
+              <a:schemeClr val="dk1"/>
+            </a:fontRef>
+          </p:style>
+          <p:txBody>
+            <a:bodyPr rtlCol="0" anchor="ctr"/>
+            <a:lstStyle/>
+            <a:p>
+              <a:pPr algn="ctr"/>
+              <a:endParaRPr lang="fr-FR" sz="1400" dirty="0"/>
+            </a:p>
+          </p:txBody>
+        </p:sp>
+        <p:sp>
+          <p:nvSpPr>
+            <p:cNvPr id="28" name="ZoneTexte 27"/>
+            <p:cNvSpPr txBox="1"/>
+            <p:nvPr/>
+          </p:nvSpPr>
+          <p:spPr>
+            <a:xfrm>
+              <a:off x="3643306" y="1428736"/>
+              <a:ext cx="853452" cy="276999"/>
+            </a:xfrm>
+            <a:prstGeom prst="rect">
+              <a:avLst/>
+            </a:prstGeom>
+            <a:noFill/>
+          </p:spPr>
+          <p:txBody>
+            <a:bodyPr wrap="square" rtlCol="0">
+              <a:spAutoFit/>
+            </a:bodyPr>
+            <a:lstStyle/>
+            <a:p>
+              <a:r>
+                <a:rPr lang="fr-FR" sz="1200" dirty="0" smtClean="0"/>
+                <a:t>Objet EMF</a:t>
+              </a:r>
+            </a:p>
+          </p:txBody>
+        </p:sp>
+      </p:grpSp>
+      <p:cxnSp>
+        <p:nvCxnSpPr>
+          <p:cNvPr id="38" name="Connecteur droit avec flèche 37"/>
+          <p:cNvCxnSpPr/>
+          <p:nvPr/>
+        </p:nvCxnSpPr>
+        <p:spPr>
+          <a:xfrm>
+            <a:off x="2428860" y="1071546"/>
+            <a:ext cx="500066" cy="1629354"/>
+          </a:xfrm>
+          <a:prstGeom prst="straightConnector1">
+            <a:avLst/>
+          </a:prstGeom>
+          <a:ln w="38100">
+            <a:tailEnd type="arrow"/>
+          </a:ln>
+        </p:spPr>
+        <p:style>
+          <a:lnRef idx="1">
+            <a:schemeClr val="accent2"/>
+          </a:lnRef>
+          <a:fillRef idx="0">
+            <a:schemeClr val="accent2"/>
+          </a:fillRef>
+          <a:effectRef idx="0">
+            <a:schemeClr val="accent2"/>
+          </a:effectRef>
+          <a:fontRef idx="minor">
+            <a:schemeClr val="tx1"/>
+          </a:fontRef>
+        </p:style>
+      </p:cxnSp>
+      <p:cxnSp>
+        <p:nvCxnSpPr>
+          <p:cNvPr id="43" name="Connecteur droit avec flèche 42"/>
+          <p:cNvCxnSpPr/>
+          <p:nvPr/>
+        </p:nvCxnSpPr>
+        <p:spPr>
+          <a:xfrm flipV="1">
+            <a:off x="4786314" y="1214422"/>
+            <a:ext cx="976497" cy="1643306"/>
+          </a:xfrm>
+          <a:prstGeom prst="straightConnector1">
+            <a:avLst/>
+          </a:prstGeom>
+          <a:ln w="38100">
+            <a:tailEnd type="arrow"/>
+          </a:ln>
+        </p:spPr>
+        <p:style>
+          <a:lnRef idx="1">
+            <a:schemeClr val="accent2"/>
+          </a:lnRef>
+          <a:fillRef idx="0">
+            <a:schemeClr val="accent2"/>
+          </a:fillRef>
+          <a:effectRef idx="0">
+            <a:schemeClr val="accent2"/>
+          </a:effectRef>
+          <a:fontRef idx="minor">
+            <a:schemeClr val="tx1"/>
+          </a:fontRef>
+        </p:style>
+      </p:cxnSp>
+      <p:cxnSp>
+        <p:nvCxnSpPr>
+          <p:cNvPr id="46" name="Connecteur droit avec flèche 45"/>
+          <p:cNvCxnSpPr>
+            <a:stCxn id="27" idx="0"/>
+          </p:cNvCxnSpPr>
+          <p:nvPr/>
+        </p:nvCxnSpPr>
+        <p:spPr>
+          <a:xfrm flipV="1">
+            <a:off x="5790250" y="1080853"/>
+            <a:ext cx="496262" cy="12460"/>
+          </a:xfrm>
+          <a:prstGeom prst="straightConnector1">
+            <a:avLst/>
+          </a:prstGeom>
+          <a:ln w="38100">
+            <a:tailEnd type="arrow"/>
+          </a:ln>
+        </p:spPr>
+        <p:style>
+          <a:lnRef idx="1">
+            <a:schemeClr val="accent2"/>
+          </a:lnRef>
+          <a:fillRef idx="0">
+            <a:schemeClr val="accent2"/>
+          </a:fillRef>
+          <a:effectRef idx="0">
+            <a:schemeClr val="accent2"/>
+          </a:effectRef>
+          <a:fontRef idx="minor">
+            <a:schemeClr val="tx1"/>
+          </a:fontRef>
+        </p:style>
+      </p:cxnSp>
+      <p:cxnSp>
+        <p:nvCxnSpPr>
+          <p:cNvPr id="61" name="Connecteur droit avec flèche 60"/>
+          <p:cNvCxnSpPr>
+            <a:endCxn id="10" idx="3"/>
+          </p:cNvCxnSpPr>
+          <p:nvPr/>
+        </p:nvCxnSpPr>
+        <p:spPr>
+          <a:xfrm rot="5400000">
+            <a:off x="-35750" y="3250406"/>
+            <a:ext cx="1571634" cy="71438"/>
+          </a:xfrm>
+          <a:prstGeom prst="straightConnector1">
+            <a:avLst/>
+          </a:prstGeom>
+          <a:ln w="28575">
+            <a:tailEnd type="arrow"/>
+          </a:ln>
+        </p:spPr>
+        <p:style>
+          <a:lnRef idx="1">
+            <a:schemeClr val="accent1"/>
+          </a:lnRef>
+          <a:fillRef idx="0">
+            <a:schemeClr val="accent1"/>
+          </a:fillRef>
+          <a:effectRef idx="0">
+            <a:schemeClr val="accent1"/>
+          </a:effectRef>
+          <a:fontRef idx="minor">
+            <a:schemeClr val="tx1"/>
+          </a:fontRef>
+        </p:style>
+      </p:cxnSp>
+      <p:cxnSp>
+        <p:nvCxnSpPr>
+          <p:cNvPr id="70" name="Connecteur droit avec flèche 69"/>
+          <p:cNvCxnSpPr/>
+          <p:nvPr/>
+        </p:nvCxnSpPr>
+        <p:spPr>
+          <a:xfrm rot="5400000" flipH="1" flipV="1">
+            <a:off x="5789826" y="1925424"/>
+            <a:ext cx="1071570" cy="3078593"/>
+          </a:xfrm>
+          <a:prstGeom prst="straightConnector1">
+            <a:avLst/>
+          </a:prstGeom>
+          <a:ln w="28575">
+            <a:tailEnd type="arrow"/>
+          </a:ln>
+        </p:spPr>
+        <p:style>
+          <a:lnRef idx="1">
+            <a:schemeClr val="accent1"/>
+          </a:lnRef>
+          <a:fillRef idx="0">
+            <a:schemeClr val="accent1"/>
+          </a:fillRef>
+          <a:effectRef idx="0">
+            <a:schemeClr val="accent1"/>
+          </a:effectRef>
+          <a:fontRef idx="minor">
+            <a:schemeClr val="tx1"/>
+          </a:fontRef>
+        </p:style>
+      </p:cxnSp>
+      <p:pic>
+        <p:nvPicPr>
+          <p:cNvPr id="1027" name="Picture 3"/>
+          <p:cNvPicPr>
+            <a:picLocks noChangeAspect="1" noChangeArrowheads="1"/>
+          </p:cNvPicPr>
+          <p:nvPr/>
+        </p:nvPicPr>
+        <p:blipFill>
+          <a:blip r:embed="rId2"/>
+          <a:srcRect/>
+          <a:stretch>
+            <a:fillRect/>
+          </a:stretch>
+        </p:blipFill>
+        <p:spPr bwMode="auto">
+          <a:xfrm>
+            <a:off x="5113024" y="2793678"/>
+            <a:ext cx="907746" cy="928694"/>
+          </a:xfrm>
+          <a:prstGeom prst="rect">
+            <a:avLst/>
+          </a:prstGeom>
+          <a:noFill/>
+          <a:ln w="9525">
+            <a:noFill/>
+            <a:miter lim="800000"/>
+            <a:headEnd/>
+            <a:tailEnd/>
+          </a:ln>
+          <a:effectLst/>
+        </p:spPr>
+      </p:pic>
+      <p:cxnSp>
+        <p:nvCxnSpPr>
+          <p:cNvPr id="42" name="Connecteur droit avec flèche 41"/>
+          <p:cNvCxnSpPr>
+            <a:stCxn id="28" idx="2"/>
+            <a:endCxn id="1027" idx="0"/>
+          </p:cNvCxnSpPr>
+          <p:nvPr/>
+        </p:nvCxnSpPr>
+        <p:spPr>
+          <a:xfrm rot="5400000">
+            <a:off x="5019519" y="2239162"/>
+            <a:ext cx="1101895" cy="7137"/>
+          </a:xfrm>
+          <a:prstGeom prst="straightConnector1">
+            <a:avLst/>
+          </a:prstGeom>
+          <a:ln w="28575">
+            <a:solidFill>
+              <a:srgbClr val="92D050"/>
+            </a:solidFill>
+            <a:headEnd type="triangle" w="med" len="med"/>
+            <a:tailEnd type="triangle" w="med" len="med"/>
+          </a:ln>
+        </p:spPr>
+        <p:style>
+          <a:lnRef idx="1">
+            <a:schemeClr val="accent1"/>
+          </a:lnRef>
+          <a:fillRef idx="0">
+            <a:schemeClr val="accent1"/>
+          </a:fillRef>
+          <a:effectRef idx="0">
+            <a:schemeClr val="accent1"/>
+          </a:effectRef>
+          <a:fontRef idx="minor">
+            <a:schemeClr val="tx1"/>
+          </a:fontRef>
+        </p:style>
+      </p:cxnSp>
+      <p:sp>
+        <p:nvSpPr>
+          <p:cNvPr id="44" name="ZoneTexte 43"/>
+          <p:cNvSpPr txBox="1"/>
+          <p:nvPr/>
+        </p:nvSpPr>
+        <p:spPr>
+          <a:xfrm>
+            <a:off x="5000628" y="2071678"/>
+            <a:ext cx="571504" cy="246221"/>
+          </a:xfrm>
+          <a:prstGeom prst="rect">
+            <a:avLst/>
+          </a:prstGeom>
+          <a:noFill/>
+        </p:spPr>
+        <p:txBody>
+          <a:bodyPr wrap="square" rtlCol="0">
+            <a:spAutoFit/>
+          </a:bodyPr>
+          <a:lstStyle/>
+          <a:p>
+            <a:r>
+              <a:rPr lang="fr-FR" sz="1000" b="1" dirty="0" smtClean="0">
+                <a:solidFill>
+                  <a:srgbClr val="92D050"/>
+                </a:solidFill>
+              </a:rPr>
+              <a:t>utiliser</a:t>
+            </a:r>
+            <a:endParaRPr lang="fr-FR" sz="1000" b="1" dirty="0">
+              <a:solidFill>
+                <a:srgbClr val="92D050"/>
+              </a:solidFill>
+            </a:endParaRPr>
+          </a:p>
+        </p:txBody>
+      </p:sp>
+      <p:sp>
+        <p:nvSpPr>
+          <p:cNvPr id="66" name="ZoneTexte 65"/>
+          <p:cNvSpPr txBox="1"/>
+          <p:nvPr/>
+        </p:nvSpPr>
+        <p:spPr>
+          <a:xfrm>
+            <a:off x="4500562" y="785794"/>
+            <a:ext cx="857256" cy="307777"/>
+          </a:xfrm>
+          <a:prstGeom prst="rect">
+            <a:avLst/>
+          </a:prstGeom>
+          <a:noFill/>
+        </p:spPr>
+        <p:txBody>
+          <a:bodyPr wrap="square" rtlCol="0">
+            <a:spAutoFit/>
+          </a:bodyPr>
+          <a:lstStyle/>
+          <a:p>
+            <a:r>
+              <a:rPr lang="fr-FR" sz="1400" dirty="0" smtClean="0"/>
+              <a:t>Générer</a:t>
+            </a:r>
+            <a:endParaRPr lang="fr-FR" sz="1400" dirty="0"/>
+          </a:p>
+        </p:txBody>
+      </p:sp>
+      <p:sp>
+        <p:nvSpPr>
+          <p:cNvPr id="81" name="ZoneTexte 80"/>
+          <p:cNvSpPr txBox="1"/>
+          <p:nvPr/>
+        </p:nvSpPr>
+        <p:spPr>
+          <a:xfrm>
+            <a:off x="714348" y="3500438"/>
+            <a:ext cx="642942" cy="246221"/>
+          </a:xfrm>
+          <a:prstGeom prst="rect">
+            <a:avLst/>
+          </a:prstGeom>
+          <a:noFill/>
+        </p:spPr>
+        <p:txBody>
+          <a:bodyPr wrap="square" rtlCol="0">
+            <a:spAutoFit/>
+          </a:bodyPr>
+          <a:lstStyle/>
+          <a:p>
+            <a:r>
+              <a:rPr lang="fr-FR" sz="1000" b="1" dirty="0" smtClean="0">
+                <a:solidFill>
+                  <a:schemeClr val="tx2">
+                    <a:lumMod val="60000"/>
+                    <a:lumOff val="40000"/>
+                  </a:schemeClr>
+                </a:solidFill>
+              </a:rPr>
+              <a:t>utiliser</a:t>
+            </a:r>
+            <a:endParaRPr lang="fr-FR" sz="1000" b="1" dirty="0">
+              <a:solidFill>
+                <a:schemeClr val="tx2">
+                  <a:lumMod val="60000"/>
+                  <a:lumOff val="40000"/>
+                </a:schemeClr>
+              </a:solidFill>
+            </a:endParaRPr>
+          </a:p>
+        </p:txBody>
+      </p:sp>
+      <p:sp>
+        <p:nvSpPr>
+          <p:cNvPr id="82" name="ZoneTexte 81"/>
+          <p:cNvSpPr txBox="1"/>
+          <p:nvPr/>
+        </p:nvSpPr>
+        <p:spPr>
+          <a:xfrm>
+            <a:off x="3857620" y="1643050"/>
+            <a:ext cx="642942" cy="246221"/>
+          </a:xfrm>
+          <a:prstGeom prst="rect">
+            <a:avLst/>
+          </a:prstGeom>
+          <a:noFill/>
+        </p:spPr>
+        <p:txBody>
+          <a:bodyPr wrap="square" rtlCol="0">
+            <a:spAutoFit/>
+          </a:bodyPr>
+          <a:lstStyle/>
+          <a:p>
+            <a:r>
+              <a:rPr lang="fr-FR" sz="1000" b="1" dirty="0" smtClean="0">
+                <a:solidFill>
+                  <a:schemeClr val="tx2">
+                    <a:lumMod val="60000"/>
+                    <a:lumOff val="40000"/>
+                  </a:schemeClr>
+                </a:solidFill>
+              </a:rPr>
+              <a:t>utiliser</a:t>
+            </a:r>
+            <a:endParaRPr lang="fr-FR" sz="1000" b="1" dirty="0">
+              <a:solidFill>
+                <a:schemeClr val="tx2">
+                  <a:lumMod val="60000"/>
+                  <a:lumOff val="40000"/>
+                </a:schemeClr>
+              </a:solidFill>
+            </a:endParaRPr>
+          </a:p>
+        </p:txBody>
+      </p:sp>
+    </p:spTree>
+  </p:cSld>
+  <p:clrMapOvr>
+    <a:masterClrMapping/>
+  </p:clrMapOvr>
+  <p:timing>
+    <p:tnLst>
+      <p:par>
+        <p:cTn id="1" dur="indefinite" restart="never" nodeType="tmRoot"/>
+      </p:par>
+    </p:tnLst>
+  </p:timing>
 </p:sld>
 </file>
 

--- a/Experience_pro/Mémoire-XLM/mise_en_oeuvre_keops.pptx
+++ b/Experience_pro/Mémoire-XLM/mise_en_oeuvre_keops.pptx
@@ -290,7 +290,7 @@
             <a:fld id="{465710B2-BDCD-43D4-B890-244BC3046D9D}" type="datetimeFigureOut">
               <a:rPr lang="fr-FR" smtClean="0"/>
               <a:pPr/>
-              <a:t>09/10/2020</a:t>
+              <a:t>11/10/2020</a:t>
             </a:fld>
             <a:endParaRPr lang="fr-FR"/>
           </a:p>
@@ -457,7 +457,7 @@
             <a:fld id="{465710B2-BDCD-43D4-B890-244BC3046D9D}" type="datetimeFigureOut">
               <a:rPr lang="fr-FR" smtClean="0"/>
               <a:pPr/>
-              <a:t>09/10/2020</a:t>
+              <a:t>11/10/2020</a:t>
             </a:fld>
             <a:endParaRPr lang="fr-FR"/>
           </a:p>
@@ -634,7 +634,7 @@
             <a:fld id="{465710B2-BDCD-43D4-B890-244BC3046D9D}" type="datetimeFigureOut">
               <a:rPr lang="fr-FR" smtClean="0"/>
               <a:pPr/>
-              <a:t>09/10/2020</a:t>
+              <a:t>11/10/2020</a:t>
             </a:fld>
             <a:endParaRPr lang="fr-FR"/>
           </a:p>
@@ -801,7 +801,7 @@
             <a:fld id="{465710B2-BDCD-43D4-B890-244BC3046D9D}" type="datetimeFigureOut">
               <a:rPr lang="fr-FR" smtClean="0"/>
               <a:pPr/>
-              <a:t>09/10/2020</a:t>
+              <a:t>11/10/2020</a:t>
             </a:fld>
             <a:endParaRPr lang="fr-FR"/>
           </a:p>
@@ -1044,7 +1044,7 @@
             <a:fld id="{465710B2-BDCD-43D4-B890-244BC3046D9D}" type="datetimeFigureOut">
               <a:rPr lang="fr-FR" smtClean="0"/>
               <a:pPr/>
-              <a:t>09/10/2020</a:t>
+              <a:t>11/10/2020</a:t>
             </a:fld>
             <a:endParaRPr lang="fr-FR"/>
           </a:p>
@@ -1329,7 +1329,7 @@
             <a:fld id="{465710B2-BDCD-43D4-B890-244BC3046D9D}" type="datetimeFigureOut">
               <a:rPr lang="fr-FR" smtClean="0"/>
               <a:pPr/>
-              <a:t>09/10/2020</a:t>
+              <a:t>11/10/2020</a:t>
             </a:fld>
             <a:endParaRPr lang="fr-FR"/>
           </a:p>
@@ -1748,7 +1748,7 @@
             <a:fld id="{465710B2-BDCD-43D4-B890-244BC3046D9D}" type="datetimeFigureOut">
               <a:rPr lang="fr-FR" smtClean="0"/>
               <a:pPr/>
-              <a:t>09/10/2020</a:t>
+              <a:t>11/10/2020</a:t>
             </a:fld>
             <a:endParaRPr lang="fr-FR"/>
           </a:p>
@@ -1863,7 +1863,7 @@
             <a:fld id="{465710B2-BDCD-43D4-B890-244BC3046D9D}" type="datetimeFigureOut">
               <a:rPr lang="fr-FR" smtClean="0"/>
               <a:pPr/>
-              <a:t>09/10/2020</a:t>
+              <a:t>11/10/2020</a:t>
             </a:fld>
             <a:endParaRPr lang="fr-FR"/>
           </a:p>
@@ -1955,7 +1955,7 @@
             <a:fld id="{465710B2-BDCD-43D4-B890-244BC3046D9D}" type="datetimeFigureOut">
               <a:rPr lang="fr-FR" smtClean="0"/>
               <a:pPr/>
-              <a:t>09/10/2020</a:t>
+              <a:t>11/10/2020</a:t>
             </a:fld>
             <a:endParaRPr lang="fr-FR"/>
           </a:p>
@@ -2229,7 +2229,7 @@
             <a:fld id="{465710B2-BDCD-43D4-B890-244BC3046D9D}" type="datetimeFigureOut">
               <a:rPr lang="fr-FR" smtClean="0"/>
               <a:pPr/>
-              <a:t>09/10/2020</a:t>
+              <a:t>11/10/2020</a:t>
             </a:fld>
             <a:endParaRPr lang="fr-FR"/>
           </a:p>
@@ -2479,7 +2479,7 @@
             <a:fld id="{465710B2-BDCD-43D4-B890-244BC3046D9D}" type="datetimeFigureOut">
               <a:rPr lang="fr-FR" smtClean="0"/>
               <a:pPr/>
-              <a:t>09/10/2020</a:t>
+              <a:t>11/10/2020</a:t>
             </a:fld>
             <a:endParaRPr lang="fr-FR"/>
           </a:p>
@@ -2689,7 +2689,7 @@
             <a:fld id="{465710B2-BDCD-43D4-B890-244BC3046D9D}" type="datetimeFigureOut">
               <a:rPr lang="fr-FR" smtClean="0"/>
               <a:pPr/>
-              <a:t>09/10/2020</a:t>
+              <a:t>11/10/2020</a:t>
             </a:fld>
             <a:endParaRPr lang="fr-FR"/>
           </a:p>
@@ -4298,8 +4298,8 @@
         </p:nvSpPr>
         <p:spPr>
           <a:xfrm>
-            <a:off x="1571604" y="2143116"/>
-            <a:ext cx="928694" cy="246221"/>
+            <a:off x="1214414" y="2143116"/>
+            <a:ext cx="1571636" cy="338554"/>
           </a:xfrm>
           <a:prstGeom prst="rect">
             <a:avLst/>
@@ -4313,7 +4313,7 @@
           <a:lstStyle/>
           <a:p>
             <a:r>
-              <a:rPr lang="fr-FR" sz="1000" b="1" dirty="0" smtClean="0">
+              <a:rPr lang="fr-FR" sz="1600" b="1" dirty="0" smtClean="0">
                 <a:solidFill>
                   <a:srgbClr val="92D050"/>
                 </a:solidFill>
@@ -4376,8 +4376,8 @@
         </p:nvSpPr>
         <p:spPr>
           <a:xfrm>
-            <a:off x="5000628" y="2071678"/>
-            <a:ext cx="571504" cy="246221"/>
+            <a:off x="4786314" y="2071678"/>
+            <a:ext cx="928694" cy="338554"/>
           </a:xfrm>
           <a:prstGeom prst="rect">
             <a:avLst/>
@@ -4391,7 +4391,7 @@
           <a:lstStyle/>
           <a:p>
             <a:r>
-              <a:rPr lang="fr-FR" sz="1000" b="1" dirty="0" smtClean="0">
+              <a:rPr lang="fr-FR" sz="1600" b="1" dirty="0" smtClean="0">
                 <a:solidFill>
                   <a:srgbClr val="92D050"/>
                 </a:solidFill>
@@ -4454,8 +4454,8 @@
         </p:nvSpPr>
         <p:spPr>
           <a:xfrm>
-            <a:off x="8143900" y="2143116"/>
-            <a:ext cx="571504" cy="246221"/>
+            <a:off x="7929586" y="2143116"/>
+            <a:ext cx="857256" cy="338554"/>
           </a:xfrm>
           <a:prstGeom prst="rect">
             <a:avLst/>
@@ -4469,7 +4469,7 @@
           <a:lstStyle/>
           <a:p>
             <a:r>
-              <a:rPr lang="fr-FR" sz="1000" b="1" dirty="0" smtClean="0">
+              <a:rPr lang="fr-FR" sz="1600" b="1" dirty="0" smtClean="0">
                 <a:solidFill>
                   <a:srgbClr val="92D050"/>
                 </a:solidFill>
@@ -4582,8 +4582,8 @@
         </p:nvSpPr>
         <p:spPr>
           <a:xfrm>
-            <a:off x="714348" y="1785926"/>
-            <a:ext cx="642942" cy="246221"/>
+            <a:off x="-71470" y="1714488"/>
+            <a:ext cx="928694" cy="338554"/>
           </a:xfrm>
           <a:prstGeom prst="rect">
             <a:avLst/>
@@ -4597,7 +4597,7 @@
           <a:lstStyle/>
           <a:p>
             <a:r>
-              <a:rPr lang="fr-FR" sz="1000" b="1" dirty="0" smtClean="0">
+              <a:rPr lang="fr-FR" sz="1600" b="1" dirty="0" smtClean="0">
                 <a:solidFill>
                   <a:schemeClr val="tx2">
                     <a:lumMod val="60000"/>
@@ -4626,8 +4626,8 @@
         </p:nvSpPr>
         <p:spPr>
           <a:xfrm>
-            <a:off x="714348" y="3500438"/>
-            <a:ext cx="642942" cy="246221"/>
+            <a:off x="0" y="3429000"/>
+            <a:ext cx="857256" cy="338554"/>
           </a:xfrm>
           <a:prstGeom prst="rect">
             <a:avLst/>
@@ -4641,7 +4641,7 @@
           <a:lstStyle/>
           <a:p>
             <a:r>
-              <a:rPr lang="fr-FR" sz="1000" b="1" dirty="0" smtClean="0">
+              <a:rPr lang="fr-FR" sz="1600" b="1" dirty="0" smtClean="0">
                 <a:solidFill>
                   <a:schemeClr val="tx2">
                     <a:lumMod val="60000"/>
@@ -4671,7 +4671,7 @@
         <p:spPr>
           <a:xfrm>
             <a:off x="3857620" y="1643050"/>
-            <a:ext cx="642942" cy="246221"/>
+            <a:ext cx="928694" cy="338554"/>
           </a:xfrm>
           <a:prstGeom prst="rect">
             <a:avLst/>
@@ -4685,7 +4685,7 @@
           <a:lstStyle/>
           <a:p>
             <a:r>
-              <a:rPr lang="fr-FR" sz="1000" b="1" dirty="0" smtClean="0">
+              <a:rPr lang="fr-FR" sz="1600" b="1" dirty="0" smtClean="0">
                 <a:solidFill>
                   <a:schemeClr val="tx2">
                     <a:lumMod val="60000"/>
@@ -4715,7 +4715,7 @@
         <p:spPr>
           <a:xfrm>
             <a:off x="6858016" y="1643050"/>
-            <a:ext cx="642942" cy="246221"/>
+            <a:ext cx="1143008" cy="338554"/>
           </a:xfrm>
           <a:prstGeom prst="rect">
             <a:avLst/>
@@ -4729,7 +4729,7 @@
           <a:lstStyle/>
           <a:p>
             <a:r>
-              <a:rPr lang="fr-FR" sz="1000" b="1" dirty="0" smtClean="0">
+              <a:rPr lang="fr-FR" sz="1600" b="1" dirty="0" smtClean="0">
                 <a:solidFill>
                   <a:schemeClr val="tx2">
                     <a:lumMod val="60000"/>
@@ -4880,7 +4880,7 @@
         <p:spPr>
           <a:xfrm>
             <a:off x="3857620" y="3357562"/>
-            <a:ext cx="642942" cy="246221"/>
+            <a:ext cx="1000132" cy="338554"/>
           </a:xfrm>
           <a:prstGeom prst="rect">
             <a:avLst/>
@@ -4894,7 +4894,7 @@
           <a:lstStyle/>
           <a:p>
             <a:r>
-              <a:rPr lang="fr-FR" sz="1000" b="1" dirty="0" smtClean="0">
+              <a:rPr lang="fr-FR" sz="1600" b="1" dirty="0" smtClean="0">
                 <a:solidFill>
                   <a:schemeClr val="tx2">
                     <a:lumMod val="60000"/>
@@ -4955,7 +4955,7 @@
         </p:nvSpPr>
         <p:spPr>
           <a:xfrm>
-            <a:off x="1357290" y="2071678"/>
+            <a:off x="1357290" y="2214554"/>
             <a:ext cx="571504" cy="642942"/>
           </a:xfrm>
           <a:prstGeom prst="snip1Rect">
@@ -4999,10 +4999,10 @@
         </p:nvGrpSpPr>
         <p:grpSpPr>
           <a:xfrm>
-            <a:off x="285720" y="4071942"/>
-            <a:ext cx="857256" cy="919941"/>
-            <a:chOff x="2143108" y="4000504"/>
-            <a:chExt cx="857256" cy="919941"/>
+            <a:off x="6396050" y="2222174"/>
+            <a:ext cx="857256" cy="942801"/>
+            <a:chOff x="2143108" y="3977644"/>
+            <a:chExt cx="857256" cy="942801"/>
           </a:xfrm>
         </p:grpSpPr>
         <p:sp>
@@ -5013,7 +5013,7 @@
           </p:nvSpPr>
           <p:spPr>
             <a:xfrm>
-              <a:off x="2285984" y="4000504"/>
+              <a:off x="2285984" y="3977644"/>
               <a:ext cx="571504" cy="642942"/>
             </a:xfrm>
             <a:prstGeom prst="snip1Rect">
@@ -5041,6 +5041,10 @@
             <a:lstStyle/>
             <a:p>
               <a:pPr algn="ctr"/>
+              <a:r>
+                <a:rPr lang="fr-FR" sz="1200" dirty="0" smtClean="0"/>
+                <a:t>JAVA</a:t>
+              </a:r>
               <a:endParaRPr lang="fr-FR" sz="1400" dirty="0"/>
             </a:p>
           </p:txBody>
@@ -5069,102 +5073,12 @@
             <a:p>
               <a:r>
                 <a:rPr lang="fr-FR" sz="1200" dirty="0" smtClean="0"/>
-                <a:t>*.</a:t>
+                <a:t>spécialisé</a:t>
               </a:r>
-              <a:r>
-                <a:rPr lang="fr-FR" sz="1200" dirty="0" err="1" smtClean="0"/>
-                <a:t>hbm.xml</a:t>
-              </a:r>
-              <a:endParaRPr lang="fr-FR" sz="1200" dirty="0" smtClean="0"/>
             </a:p>
           </p:txBody>
         </p:sp>
       </p:grpSp>
-      <p:grpSp>
-        <p:nvGrpSpPr>
-          <p:cNvPr id="7" name="Groupe 16"/>
-          <p:cNvGrpSpPr/>
-          <p:nvPr/>
-        </p:nvGrpSpPr>
-        <p:grpSpPr>
-          <a:xfrm>
-            <a:off x="6215074" y="2000240"/>
-            <a:ext cx="1229686" cy="927561"/>
-            <a:chOff x="3372794" y="785794"/>
-            <a:chExt cx="1229686" cy="927561"/>
-          </a:xfrm>
-        </p:grpSpPr>
-        <p:sp>
-          <p:nvSpPr>
-            <p:cNvPr id="11" name="Rogner un rectangle à un seul coin 10"/>
-            <p:cNvSpPr/>
-            <p:nvPr/>
-          </p:nvSpPr>
-          <p:spPr>
-            <a:xfrm>
-              <a:off x="3714744" y="785794"/>
-              <a:ext cx="571504" cy="642942"/>
-            </a:xfrm>
-            <a:prstGeom prst="snip1Rect">
-              <a:avLst>
-                <a:gd name="adj" fmla="val 20717"/>
-              </a:avLst>
-            </a:prstGeom>
-          </p:spPr>
-          <p:style>
-            <a:lnRef idx="2">
-              <a:schemeClr val="dk1"/>
-            </a:lnRef>
-            <a:fillRef idx="1">
-              <a:schemeClr val="lt1"/>
-            </a:fillRef>
-            <a:effectRef idx="0">
-              <a:schemeClr val="dk1"/>
-            </a:effectRef>
-            <a:fontRef idx="minor">
-              <a:schemeClr val="dk1"/>
-            </a:fontRef>
-          </p:style>
-          <p:txBody>
-            <a:bodyPr rtlCol="0" anchor="ctr"/>
-            <a:lstStyle/>
-            <a:p>
-              <a:pPr algn="ctr"/>
-              <a:endParaRPr lang="fr-FR" sz="1400" dirty="0"/>
-            </a:p>
-          </p:txBody>
-        </p:sp>
-        <p:sp>
-          <p:nvSpPr>
-            <p:cNvPr id="14" name="ZoneTexte 13"/>
-            <p:cNvSpPr txBox="1"/>
-            <p:nvPr/>
-          </p:nvSpPr>
-          <p:spPr>
-            <a:xfrm>
-              <a:off x="3372794" y="1436356"/>
-              <a:ext cx="1229686" cy="276999"/>
-            </a:xfrm>
-            <a:prstGeom prst="rect">
-              <a:avLst/>
-            </a:prstGeom>
-            <a:noFill/>
-          </p:spPr>
-          <p:txBody>
-            <a:bodyPr wrap="square" rtlCol="0">
-              <a:spAutoFit/>
-            </a:bodyPr>
-            <a:lstStyle/>
-            <a:p>
-              <a:r>
-                <a:rPr lang="fr-FR" sz="1200" dirty="0" err="1" smtClean="0"/>
-                <a:t>Keops.genmodel</a:t>
-              </a:r>
-              <a:endParaRPr lang="fr-FR" sz="1200" dirty="0" smtClean="0"/>
-            </a:p>
-          </p:txBody>
-        </p:sp>
-      </p:grpSp>
       <p:sp>
         <p:nvSpPr>
           <p:cNvPr id="21" name="Cube 20"/>
@@ -5173,7 +5087,7 @@
         </p:nvSpPr>
         <p:spPr>
           <a:xfrm>
-            <a:off x="3071802" y="2071678"/>
+            <a:off x="3071802" y="2102158"/>
             <a:ext cx="1357322" cy="785818"/>
           </a:xfrm>
           <a:prstGeom prst="cube">
@@ -5205,110 +5119,69 @@
             <a:pPr algn="ctr"/>
             <a:r>
               <a:rPr lang="fr-FR" sz="1400" dirty="0" smtClean="0"/>
-              <a:t>Générateur </a:t>
-            </a:r>
-            <a:r>
-              <a:rPr lang="fr-FR" sz="1400" dirty="0" err="1" smtClean="0"/>
-              <a:t>dialog</a:t>
+              <a:t>Générateur dialog</a:t>
             </a:r>
             <a:endParaRPr lang="fr-FR" sz="1400" dirty="0"/>
           </a:p>
         </p:txBody>
       </p:sp>
-      <p:grpSp>
-        <p:nvGrpSpPr>
-          <p:cNvPr id="15" name="Groupe 25"/>
-          <p:cNvGrpSpPr/>
+      <p:sp>
+        <p:nvSpPr>
+          <p:cNvPr id="27" name="Rogner un rectangle à un seul coin 26"/>
+          <p:cNvSpPr/>
           <p:nvPr/>
-        </p:nvGrpSpPr>
-        <p:grpSpPr>
-          <a:xfrm>
-            <a:off x="5147308" y="771842"/>
-            <a:ext cx="853452" cy="919941"/>
-            <a:chOff x="3643306" y="785794"/>
-            <a:chExt cx="853452" cy="919941"/>
-          </a:xfrm>
-        </p:grpSpPr>
-        <p:sp>
-          <p:nvSpPr>
-            <p:cNvPr id="27" name="Rogner un rectangle à un seul coin 26"/>
-            <p:cNvSpPr/>
-            <p:nvPr/>
-          </p:nvSpPr>
-          <p:spPr>
-            <a:xfrm>
-              <a:off x="3714744" y="785794"/>
-              <a:ext cx="571504" cy="642942"/>
-            </a:xfrm>
-            <a:prstGeom prst="snip1Rect">
-              <a:avLst>
-                <a:gd name="adj" fmla="val 20717"/>
-              </a:avLst>
-            </a:prstGeom>
-          </p:spPr>
-          <p:style>
-            <a:lnRef idx="2">
-              <a:schemeClr val="accent1"/>
-            </a:lnRef>
-            <a:fillRef idx="1">
-              <a:schemeClr val="lt1"/>
-            </a:fillRef>
-            <a:effectRef idx="0">
-              <a:schemeClr val="accent1"/>
-            </a:effectRef>
-            <a:fontRef idx="minor">
-              <a:schemeClr val="dk1"/>
-            </a:fontRef>
-          </p:style>
-          <p:txBody>
-            <a:bodyPr rtlCol="0" anchor="ctr"/>
-            <a:lstStyle/>
-            <a:p>
-              <a:pPr algn="ctr"/>
-              <a:endParaRPr lang="fr-FR" sz="1400" dirty="0"/>
-            </a:p>
-          </p:txBody>
-        </p:sp>
-        <p:sp>
-          <p:nvSpPr>
-            <p:cNvPr id="28" name="ZoneTexte 27"/>
-            <p:cNvSpPr txBox="1"/>
-            <p:nvPr/>
-          </p:nvSpPr>
-          <p:spPr>
-            <a:xfrm>
-              <a:off x="3643306" y="1428736"/>
-              <a:ext cx="853452" cy="276999"/>
-            </a:xfrm>
-            <a:prstGeom prst="rect">
-              <a:avLst/>
-            </a:prstGeom>
-            <a:noFill/>
-          </p:spPr>
-          <p:txBody>
-            <a:bodyPr wrap="square" rtlCol="0">
-              <a:spAutoFit/>
-            </a:bodyPr>
-            <a:lstStyle/>
-            <a:p>
-              <a:r>
-                <a:rPr lang="fr-FR" sz="1200" dirty="0" smtClean="0"/>
-                <a:t>Objet EMF</a:t>
-              </a:r>
-            </a:p>
-          </p:txBody>
-        </p:sp>
-      </p:grpSp>
+        </p:nvSpPr>
+        <p:spPr>
+          <a:xfrm>
+            <a:off x="5283522" y="2229794"/>
+            <a:ext cx="571504" cy="642942"/>
+          </a:xfrm>
+          <a:prstGeom prst="snip1Rect">
+            <a:avLst>
+              <a:gd name="adj" fmla="val 20717"/>
+            </a:avLst>
+          </a:prstGeom>
+        </p:spPr>
+        <p:style>
+          <a:lnRef idx="2">
+            <a:schemeClr val="accent1"/>
+          </a:lnRef>
+          <a:fillRef idx="1">
+            <a:schemeClr val="lt1"/>
+          </a:fillRef>
+          <a:effectRef idx="0">
+            <a:schemeClr val="accent1"/>
+          </a:effectRef>
+          <a:fontRef idx="minor">
+            <a:schemeClr val="dk1"/>
+          </a:fontRef>
+        </p:style>
+        <p:txBody>
+          <a:bodyPr rtlCol="0" anchor="ctr"/>
+          <a:lstStyle/>
+          <a:p>
+            <a:pPr algn="ctr"/>
+            <a:r>
+              <a:rPr lang="fr-FR" sz="1200" dirty="0" smtClean="0"/>
+              <a:t>JAVA</a:t>
+            </a:r>
+            <a:endParaRPr lang="fr-FR" sz="1200" dirty="0"/>
+          </a:p>
+        </p:txBody>
+      </p:sp>
       <p:cxnSp>
         <p:nvCxnSpPr>
           <p:cNvPr id="38" name="Connecteur droit avec flèche 37"/>
-          <p:cNvCxnSpPr/>
+          <p:cNvCxnSpPr>
+            <a:stCxn id="4" idx="0"/>
+            <a:endCxn id="21" idx="2"/>
+          </p:cNvCxnSpPr>
           <p:nvPr/>
         </p:nvCxnSpPr>
         <p:spPr>
           <a:xfrm>
-            <a:off x="2428860" y="1071546"/>
-            <a:ext cx="500066" cy="1629354"/>
+            <a:off x="1928794" y="2536025"/>
+            <a:ext cx="1143008" cy="16760"/>
           </a:xfrm>
           <a:prstGeom prst="straightConnector1">
             <a:avLst/>
@@ -5335,13 +5208,16 @@
       <p:cxnSp>
         <p:nvCxnSpPr>
           <p:cNvPr id="43" name="Connecteur droit avec flèche 42"/>
-          <p:cNvCxnSpPr/>
+          <p:cNvCxnSpPr>
+            <a:stCxn id="21" idx="4"/>
+            <a:endCxn id="27" idx="2"/>
+          </p:cNvCxnSpPr>
           <p:nvPr/>
         </p:nvCxnSpPr>
         <p:spPr>
           <a:xfrm flipV="1">
-            <a:off x="4786314" y="1214422"/>
-            <a:ext cx="976497" cy="1643306"/>
+            <a:off x="4313687" y="2551265"/>
+            <a:ext cx="969835" cy="1520"/>
           </a:xfrm>
           <a:prstGeom prst="straightConnector1">
             <a:avLst/>
@@ -5370,13 +5246,14 @@
           <p:cNvPr id="46" name="Connecteur droit avec flèche 45"/>
           <p:cNvCxnSpPr>
             <a:stCxn id="27" idx="0"/>
+            <a:endCxn id="10" idx="2"/>
           </p:cNvCxnSpPr>
           <p:nvPr/>
         </p:nvCxnSpPr>
         <p:spPr>
           <a:xfrm flipV="1">
-            <a:off x="5790250" y="1080853"/>
-            <a:ext cx="496262" cy="12460"/>
+            <a:off x="5855026" y="2543645"/>
+            <a:ext cx="683900" cy="7620"/>
           </a:xfrm>
           <a:prstGeom prst="straightConnector1">
             <a:avLst/>
@@ -5394,74 +5271,6 @@
           </a:fillRef>
           <a:effectRef idx="0">
             <a:schemeClr val="accent2"/>
-          </a:effectRef>
-          <a:fontRef idx="minor">
-            <a:schemeClr val="tx1"/>
-          </a:fontRef>
-        </p:style>
-      </p:cxnSp>
-      <p:cxnSp>
-        <p:nvCxnSpPr>
-          <p:cNvPr id="61" name="Connecteur droit avec flèche 60"/>
-          <p:cNvCxnSpPr>
-            <a:endCxn id="10" idx="3"/>
-          </p:cNvCxnSpPr>
-          <p:nvPr/>
-        </p:nvCxnSpPr>
-        <p:spPr>
-          <a:xfrm rot="5400000">
-            <a:off x="-35750" y="3250406"/>
-            <a:ext cx="1571634" cy="71438"/>
-          </a:xfrm>
-          <a:prstGeom prst="straightConnector1">
-            <a:avLst/>
-          </a:prstGeom>
-          <a:ln w="28575">
-            <a:tailEnd type="arrow"/>
-          </a:ln>
-        </p:spPr>
-        <p:style>
-          <a:lnRef idx="1">
-            <a:schemeClr val="accent1"/>
-          </a:lnRef>
-          <a:fillRef idx="0">
-            <a:schemeClr val="accent1"/>
-          </a:fillRef>
-          <a:effectRef idx="0">
-            <a:schemeClr val="accent1"/>
-          </a:effectRef>
-          <a:fontRef idx="minor">
-            <a:schemeClr val="tx1"/>
-          </a:fontRef>
-        </p:style>
-      </p:cxnSp>
-      <p:cxnSp>
-        <p:nvCxnSpPr>
-          <p:cNvPr id="70" name="Connecteur droit avec flèche 69"/>
-          <p:cNvCxnSpPr/>
-          <p:nvPr/>
-        </p:nvCxnSpPr>
-        <p:spPr>
-          <a:xfrm rot="5400000" flipH="1" flipV="1">
-            <a:off x="5789826" y="1925424"/>
-            <a:ext cx="1071570" cy="3078593"/>
-          </a:xfrm>
-          <a:prstGeom prst="straightConnector1">
-            <a:avLst/>
-          </a:prstGeom>
-          <a:ln w="28575">
-            <a:tailEnd type="arrow"/>
-          </a:ln>
-        </p:spPr>
-        <p:style>
-          <a:lnRef idx="1">
-            <a:schemeClr val="accent1"/>
-          </a:lnRef>
-          <a:fillRef idx="0">
-            <a:schemeClr val="accent1"/>
-          </a:fillRef>
-          <a:effectRef idx="0">
-            <a:schemeClr val="accent1"/>
           </a:effectRef>
           <a:fontRef idx="minor">
             <a:schemeClr val="tx1"/>
@@ -5485,7 +5294,7 @@
         </p:blipFill>
         <p:spPr bwMode="auto">
           <a:xfrm>
-            <a:off x="5113024" y="2793678"/>
+            <a:off x="5715008" y="3929066"/>
             <a:ext cx="907746" cy="928694"/>
           </a:xfrm>
           <a:prstGeom prst="rect">
@@ -5505,15 +5314,15 @@
         <p:nvCxnSpPr>
           <p:cNvPr id="42" name="Connecteur droit avec flèche 41"/>
           <p:cNvCxnSpPr>
-            <a:stCxn id="28" idx="2"/>
-            <a:endCxn id="1027" idx="0"/>
+            <a:stCxn id="1027" idx="0"/>
+            <a:endCxn id="13" idx="2"/>
           </p:cNvCxnSpPr>
           <p:nvPr/>
         </p:nvCxnSpPr>
         <p:spPr>
-          <a:xfrm rot="5400000">
-            <a:off x="5019519" y="2239162"/>
-            <a:ext cx="1101895" cy="7137"/>
+          <a:xfrm rot="5400000" flipH="1" flipV="1">
+            <a:off x="6114734" y="3219123"/>
+            <a:ext cx="764091" cy="655797"/>
           </a:xfrm>
           <a:prstGeom prst="straightConnector1">
             <a:avLst/>
@@ -5549,8 +5358,8 @@
         </p:nvSpPr>
         <p:spPr>
           <a:xfrm>
-            <a:off x="5000628" y="2071678"/>
-            <a:ext cx="571504" cy="246221"/>
+            <a:off x="5000628" y="3357562"/>
+            <a:ext cx="1143008" cy="338554"/>
           </a:xfrm>
           <a:prstGeom prst="rect">
             <a:avLst/>
@@ -5564,7 +5373,7 @@
           <a:lstStyle/>
           <a:p>
             <a:r>
-              <a:rPr lang="fr-FR" sz="1000" b="1" dirty="0" smtClean="0">
+              <a:rPr lang="fr-FR" sz="1600" b="1" dirty="0" smtClean="0">
                 <a:solidFill>
                   <a:srgbClr val="92D050"/>
                 </a:solidFill>
@@ -5611,14 +5420,14 @@
       </p:sp>
       <p:sp>
         <p:nvSpPr>
-          <p:cNvPr id="81" name="ZoneTexte 80"/>
+          <p:cNvPr id="82" name="ZoneTexte 81"/>
           <p:cNvSpPr txBox="1"/>
           <p:nvPr/>
         </p:nvSpPr>
         <p:spPr>
           <a:xfrm>
-            <a:off x="714348" y="3500438"/>
-            <a:ext cx="642942" cy="246221"/>
+            <a:off x="6000760" y="3357562"/>
+            <a:ext cx="428628" cy="261610"/>
           </a:xfrm>
           <a:prstGeom prst="rect">
             <a:avLst/>
@@ -5632,37 +5441,71 @@
           <a:lstStyle/>
           <a:p>
             <a:r>
-              <a:rPr lang="fr-FR" sz="1000" b="1" dirty="0" smtClean="0">
+              <a:rPr lang="fr-FR" sz="1100" b="1" dirty="0" smtClean="0">
                 <a:solidFill>
-                  <a:schemeClr val="tx2">
-                    <a:lumMod val="60000"/>
-                    <a:lumOff val="40000"/>
-                  </a:schemeClr>
+                  <a:srgbClr val="92D050"/>
                 </a:solidFill>
               </a:rPr>
-              <a:t>utiliser</a:t>
+              <a:t>OU</a:t>
             </a:r>
             <a:endParaRPr lang="fr-FR" sz="1000" b="1" dirty="0">
               <a:solidFill>
-                <a:schemeClr val="tx2">
-                  <a:lumMod val="60000"/>
-                  <a:lumOff val="40000"/>
-                </a:schemeClr>
+                <a:srgbClr val="92D050"/>
               </a:solidFill>
             </a:endParaRPr>
           </a:p>
         </p:txBody>
       </p:sp>
-      <p:sp>
-        <p:nvSpPr>
-          <p:cNvPr id="82" name="ZoneTexte 81"/>
+      <p:cxnSp>
+        <p:nvCxnSpPr>
+          <p:cNvPr id="48" name="Connecteur droit avec flèche 47"/>
+          <p:cNvCxnSpPr>
+            <a:stCxn id="1027" idx="0"/>
+            <a:endCxn id="27" idx="1"/>
+          </p:cNvCxnSpPr>
+          <p:nvPr/>
+        </p:nvCxnSpPr>
+        <p:spPr>
+          <a:xfrm rot="16200000" flipV="1">
+            <a:off x="5340913" y="3101097"/>
+            <a:ext cx="1056330" cy="599607"/>
+          </a:xfrm>
+          <a:prstGeom prst="straightConnector1">
+            <a:avLst/>
+          </a:prstGeom>
+          <a:ln w="28575">
+            <a:solidFill>
+              <a:srgbClr val="92D050"/>
+            </a:solidFill>
+            <a:headEnd type="triangle" w="med" len="med"/>
+            <a:tailEnd type="triangle" w="med" len="med"/>
+          </a:ln>
+        </p:spPr>
+        <p:style>
+          <a:lnRef idx="1">
+            <a:schemeClr val="accent1"/>
+          </a:lnRef>
+          <a:fillRef idx="0">
+            <a:schemeClr val="accent1"/>
+          </a:fillRef>
+          <a:effectRef idx="0">
+            <a:schemeClr val="accent1"/>
+          </a:effectRef>
+          <a:fontRef idx="minor">
+            <a:schemeClr val="tx1"/>
+          </a:fontRef>
+        </p:style>
+      </p:cxnSp>
+      <p:sp>
+        <p:nvSpPr>
+          <p:cNvPr id="51" name="ZoneTexte 50"/>
           <p:cNvSpPr txBox="1"/>
           <p:nvPr/>
         </p:nvSpPr>
         <p:spPr>
           <a:xfrm>
-            <a:off x="3857620" y="1643050"/>
-            <a:ext cx="642942" cy="246221"/>
+            <a:off x="2071670" y="2285992"/>
+            <a:ext cx="785818" cy="307777"/>
           </a:xfrm>
           <a:prstGeom prst="rect">
             <a:avLst/>
@@ -5676,24 +5519,70 @@
           <a:lstStyle/>
           <a:p>
             <a:r>
-              <a:rPr lang="fr-FR" sz="1000" b="1" dirty="0" smtClean="0">
-                <a:solidFill>
-                  <a:schemeClr val="tx2">
-                    <a:lumMod val="60000"/>
-                    <a:lumOff val="40000"/>
-                  </a:schemeClr>
-                </a:solidFill>
-              </a:rPr>
+              <a:rPr lang="fr-FR" sz="1400" dirty="0" smtClean="0"/>
               <a:t>utiliser</a:t>
             </a:r>
-            <a:endParaRPr lang="fr-FR" sz="1000" b="1" dirty="0">
-              <a:solidFill>
-                <a:schemeClr val="tx2">
-                  <a:lumMod val="60000"/>
-                  <a:lumOff val="40000"/>
-                </a:schemeClr>
-              </a:solidFill>
-            </a:endParaRPr>
+            <a:endParaRPr lang="fr-FR" sz="1400" dirty="0"/>
+          </a:p>
+        </p:txBody>
+      </p:sp>
+      <p:sp>
+        <p:nvSpPr>
+          <p:cNvPr id="52" name="ZoneTexte 51"/>
+          <p:cNvSpPr txBox="1"/>
+          <p:nvPr/>
+        </p:nvSpPr>
+        <p:spPr>
+          <a:xfrm>
+            <a:off x="4429124" y="2285992"/>
+            <a:ext cx="785818" cy="307777"/>
+          </a:xfrm>
+          <a:prstGeom prst="rect">
+            <a:avLst/>
+          </a:prstGeom>
+          <a:noFill/>
+        </p:spPr>
+        <p:txBody>
+          <a:bodyPr wrap="square" rtlCol="0">
+            <a:spAutoFit/>
+          </a:bodyPr>
+          <a:lstStyle/>
+          <a:p>
+            <a:r>
+              <a:rPr lang="fr-FR" sz="1400" dirty="0" smtClean="0"/>
+              <a:t>générer</a:t>
+            </a:r>
+            <a:endParaRPr lang="fr-FR" sz="1400" dirty="0"/>
+          </a:p>
+        </p:txBody>
+      </p:sp>
+      <p:sp>
+        <p:nvSpPr>
+          <p:cNvPr id="56" name="ZoneTexte 55"/>
+          <p:cNvSpPr txBox="1"/>
+          <p:nvPr/>
+        </p:nvSpPr>
+        <p:spPr>
+          <a:xfrm>
+            <a:off x="5786446" y="2285992"/>
+            <a:ext cx="785818" cy="307777"/>
+          </a:xfrm>
+          <a:prstGeom prst="rect">
+            <a:avLst/>
+          </a:prstGeom>
+          <a:noFill/>
+        </p:spPr>
+        <p:txBody>
+          <a:bodyPr wrap="square" rtlCol="0">
+            <a:spAutoFit/>
+          </a:bodyPr>
+          <a:lstStyle/>
+          <a:p>
+            <a:r>
+              <a:rPr lang="fr-FR" sz="1400" dirty="0" smtClean="0"/>
+              <a:t>hériter</a:t>
+            </a:r>
+            <a:endParaRPr lang="fr-FR" sz="1400" dirty="0"/>
           </a:p>
         </p:txBody>
       </p:sp>
